--- a/reports/analisis_data.pptx
+++ b/reports/analisis_data.pptx
@@ -2,12 +2,12 @@
 <file path=ppt/presentation.xml><?xml version="1.0" encoding="utf-8"?>
 <p:presentation xmlns:a="http://schemas.openxmlformats.org/drawingml/2006/main" xmlns:r="http://schemas.openxmlformats.org/officeDocument/2006/relationships" xmlns:p="http://schemas.openxmlformats.org/presentationml/2006/main" saveSubsetFonts="1" autoCompressPictures="0">
   <p:sldMasterIdLst>
-    <p:sldMasterId id="2147483720" r:id="rId1"/>
+    <p:sldMasterId id="2147483732" r:id="rId1"/>
   </p:sldMasterIdLst>
   <p:sldIdLst>
     <p:sldId id="256" r:id="rId2"/>
   </p:sldIdLst>
-  <p:sldSz cx="12599988" cy="9720263"/>
+  <p:sldSz cx="12599988" cy="14400213"/>
   <p:notesSz cx="6858000" cy="9144000"/>
   <p:defaultTextStyle>
     <a:defPPr>
@@ -104,7 +104,411 @@
       </a:defRPr>
     </a:lvl9pPr>
   </p:defaultTextStyle>
+  <p:extLst>
+    <p:ext uri="{EFAFB233-063F-42B5-8137-9DF3F51BA10A}">
+      <p15:sldGuideLst xmlns:p15="http://schemas.microsoft.com/office/powerpoint/2012/main"/>
+    </p:ext>
+  </p:extLst>
 </p:presentation>
+</file>
+
+<file path=ppt/revisionInfo.xml><?xml version="1.0" encoding="utf-8"?>
+<p1510:revInfo xmlns:a="http://schemas.openxmlformats.org/drawingml/2006/main" xmlns:r="http://schemas.openxmlformats.org/officeDocument/2006/relationships" xmlns:p1510="http://schemas.microsoft.com/office/powerpoint/2015/10/main">
+  <p1510:revLst>
+    <p1510:client id="{71223A57-18B4-5B47-912B-C65C206FC98A}" v="3" dt="2022-11-27T04:44:55.403"/>
+  </p1510:revLst>
+</p1510:revInfo>
+</file>
+
+<file path=ppt/changesInfos/changesInfo1.xml><?xml version="1.0" encoding="utf-8"?>
+<pc:chgInfo xmlns:a="http://schemas.openxmlformats.org/drawingml/2006/main" xmlns:r="http://schemas.openxmlformats.org/officeDocument/2006/relationships" xmlns:ac="http://schemas.microsoft.com/office/drawing/2013/main/command" xmlns:pc="http://schemas.microsoft.com/office/powerpoint/2013/main/command">
+  <pc:docChgLst>
+    <pc:chgData name="Shidiq Nur Hidayat" userId="109efc8d74414964" providerId="LiveId" clId="{71223A57-18B4-5B47-912B-C65C206FC98A}"/>
+    <pc:docChg chg="modSld modMainMaster">
+      <pc:chgData name="Shidiq Nur Hidayat" userId="109efc8d74414964" providerId="LiveId" clId="{71223A57-18B4-5B47-912B-C65C206FC98A}" dt="2022-11-27T04:45:45.619" v="16" actId="1076"/>
+      <pc:docMkLst>
+        <pc:docMk/>
+      </pc:docMkLst>
+      <pc:sldChg chg="addSp modSp mod">
+        <pc:chgData name="Shidiq Nur Hidayat" userId="109efc8d74414964" providerId="LiveId" clId="{71223A57-18B4-5B47-912B-C65C206FC98A}" dt="2022-11-27T04:45:45.619" v="16" actId="1076"/>
+        <pc:sldMkLst>
+          <pc:docMk/>
+          <pc:sldMk cId="4101195533" sldId="256"/>
+        </pc:sldMkLst>
+        <pc:spChg chg="add mod">
+          <ac:chgData name="Shidiq Nur Hidayat" userId="109efc8d74414964" providerId="LiveId" clId="{71223A57-18B4-5B47-912B-C65C206FC98A}" dt="2022-11-27T04:44:59.892" v="10" actId="1076"/>
+          <ac:spMkLst>
+            <pc:docMk/>
+            <pc:sldMk cId="4101195533" sldId="256"/>
+            <ac:spMk id="4" creationId="{D584691A-CC28-CC0A-938D-222F2EE7E6EA}"/>
+          </ac:spMkLst>
+        </pc:spChg>
+        <pc:spChg chg="add mod">
+          <ac:chgData name="Shidiq Nur Hidayat" userId="109efc8d74414964" providerId="LiveId" clId="{71223A57-18B4-5B47-912B-C65C206FC98A}" dt="2022-11-27T04:44:59.892" v="10" actId="1076"/>
+          <ac:spMkLst>
+            <pc:docMk/>
+            <pc:sldMk cId="4101195533" sldId="256"/>
+            <ac:spMk id="6" creationId="{0BB03D52-4638-2560-3C85-E2ED41138A0C}"/>
+          </ac:spMkLst>
+        </pc:spChg>
+        <pc:spChg chg="mod">
+          <ac:chgData name="Shidiq Nur Hidayat" userId="109efc8d74414964" providerId="LiveId" clId="{71223A57-18B4-5B47-912B-C65C206FC98A}" dt="2022-11-27T04:44:59.892" v="10" actId="1076"/>
+          <ac:spMkLst>
+            <pc:docMk/>
+            <pc:sldMk cId="4101195533" sldId="256"/>
+            <ac:spMk id="12" creationId="{42494037-AA19-8109-6784-3279269A68E8}"/>
+          </ac:spMkLst>
+        </pc:spChg>
+        <pc:spChg chg="mod">
+          <ac:chgData name="Shidiq Nur Hidayat" userId="109efc8d74414964" providerId="LiveId" clId="{71223A57-18B4-5B47-912B-C65C206FC98A}" dt="2022-11-27T04:44:59.892" v="10" actId="1076"/>
+          <ac:spMkLst>
+            <pc:docMk/>
+            <pc:sldMk cId="4101195533" sldId="256"/>
+            <ac:spMk id="13" creationId="{A553214C-F81B-3B07-E10C-CD1F24E13C97}"/>
+          </ac:spMkLst>
+        </pc:spChg>
+        <pc:spChg chg="mod">
+          <ac:chgData name="Shidiq Nur Hidayat" userId="109efc8d74414964" providerId="LiveId" clId="{71223A57-18B4-5B47-912B-C65C206FC98A}" dt="2022-11-27T04:44:59.892" v="10" actId="1076"/>
+          <ac:spMkLst>
+            <pc:docMk/>
+            <pc:sldMk cId="4101195533" sldId="256"/>
+            <ac:spMk id="14" creationId="{9C16FE30-00D1-E285-C7CB-C0F13B9BA0D8}"/>
+          </ac:spMkLst>
+        </pc:spChg>
+        <pc:spChg chg="mod">
+          <ac:chgData name="Shidiq Nur Hidayat" userId="109efc8d74414964" providerId="LiveId" clId="{71223A57-18B4-5B47-912B-C65C206FC98A}" dt="2022-11-27T04:44:59.892" v="10" actId="1076"/>
+          <ac:spMkLst>
+            <pc:docMk/>
+            <pc:sldMk cId="4101195533" sldId="256"/>
+            <ac:spMk id="15" creationId="{9451FA4F-8413-1BE5-8F72-039EBEAEF324}"/>
+          </ac:spMkLst>
+        </pc:spChg>
+        <pc:picChg chg="add mod">
+          <ac:chgData name="Shidiq Nur Hidayat" userId="109efc8d74414964" providerId="LiveId" clId="{71223A57-18B4-5B47-912B-C65C206FC98A}" dt="2022-11-27T04:45:07.270" v="11" actId="1076"/>
+          <ac:picMkLst>
+            <pc:docMk/>
+            <pc:sldMk cId="4101195533" sldId="256"/>
+            <ac:picMk id="2" creationId="{D634DBDF-BA06-6E22-45C2-18F15747ADBE}"/>
+          </ac:picMkLst>
+        </pc:picChg>
+        <pc:picChg chg="add mod">
+          <ac:chgData name="Shidiq Nur Hidayat" userId="109efc8d74414964" providerId="LiveId" clId="{71223A57-18B4-5B47-912B-C65C206FC98A}" dt="2022-11-27T04:45:07.270" v="11" actId="1076"/>
+          <ac:picMkLst>
+            <pc:docMk/>
+            <pc:sldMk cId="4101195533" sldId="256"/>
+            <ac:picMk id="3" creationId="{548CAD0B-E763-3732-A21B-40C710549D0E}"/>
+          </ac:picMkLst>
+        </pc:picChg>
+        <pc:picChg chg="mod">
+          <ac:chgData name="Shidiq Nur Hidayat" userId="109efc8d74414964" providerId="LiveId" clId="{71223A57-18B4-5B47-912B-C65C206FC98A}" dt="2022-11-27T04:44:59.892" v="10" actId="1076"/>
+          <ac:picMkLst>
+            <pc:docMk/>
+            <pc:sldMk cId="4101195533" sldId="256"/>
+            <ac:picMk id="5" creationId="{5EB89504-8DD4-D938-ACEC-B67F4FA2787F}"/>
+          </ac:picMkLst>
+        </pc:picChg>
+        <pc:picChg chg="mod">
+          <ac:chgData name="Shidiq Nur Hidayat" userId="109efc8d74414964" providerId="LiveId" clId="{71223A57-18B4-5B47-912B-C65C206FC98A}" dt="2022-11-27T04:44:59.892" v="10" actId="1076"/>
+          <ac:picMkLst>
+            <pc:docMk/>
+            <pc:sldMk cId="4101195533" sldId="256"/>
+            <ac:picMk id="7" creationId="{5792946F-CE47-DD87-B868-95C235929AE7}"/>
+          </ac:picMkLst>
+        </pc:picChg>
+        <pc:picChg chg="mod">
+          <ac:chgData name="Shidiq Nur Hidayat" userId="109efc8d74414964" providerId="LiveId" clId="{71223A57-18B4-5B47-912B-C65C206FC98A}" dt="2022-11-27T04:44:59.892" v="10" actId="1076"/>
+          <ac:picMkLst>
+            <pc:docMk/>
+            <pc:sldMk cId="4101195533" sldId="256"/>
+            <ac:picMk id="9" creationId="{24D693F7-AEDE-F4A2-B009-8A3741A0C5EF}"/>
+          </ac:picMkLst>
+        </pc:picChg>
+        <pc:picChg chg="mod">
+          <ac:chgData name="Shidiq Nur Hidayat" userId="109efc8d74414964" providerId="LiveId" clId="{71223A57-18B4-5B47-912B-C65C206FC98A}" dt="2022-11-27T04:45:45.619" v="16" actId="1076"/>
+          <ac:picMkLst>
+            <pc:docMk/>
+            <pc:sldMk cId="4101195533" sldId="256"/>
+            <ac:picMk id="11" creationId="{6620E53B-E19A-9DCD-58DC-687F99784C03}"/>
+          </ac:picMkLst>
+        </pc:picChg>
+      </pc:sldChg>
+      <pc:sldMasterChg chg="modSp modSldLayout">
+        <pc:chgData name="Shidiq Nur Hidayat" userId="109efc8d74414964" providerId="LiveId" clId="{71223A57-18B4-5B47-912B-C65C206FC98A}" dt="2022-11-27T04:44:55.402" v="9"/>
+        <pc:sldMasterMkLst>
+          <pc:docMk/>
+          <pc:sldMasterMk cId="800539026" sldId="2147483720"/>
+        </pc:sldMasterMkLst>
+        <pc:spChg chg="mod">
+          <ac:chgData name="Shidiq Nur Hidayat" userId="109efc8d74414964" providerId="LiveId" clId="{71223A57-18B4-5B47-912B-C65C206FC98A}" dt="2022-11-27T04:44:55.402" v="9"/>
+          <ac:spMkLst>
+            <pc:docMk/>
+            <pc:sldMasterMk cId="800539026" sldId="2147483720"/>
+            <ac:spMk id="2" creationId="{00000000-0000-0000-0000-000000000000}"/>
+          </ac:spMkLst>
+        </pc:spChg>
+        <pc:spChg chg="mod">
+          <ac:chgData name="Shidiq Nur Hidayat" userId="109efc8d74414964" providerId="LiveId" clId="{71223A57-18B4-5B47-912B-C65C206FC98A}" dt="2022-11-27T04:44:55.402" v="9"/>
+          <ac:spMkLst>
+            <pc:docMk/>
+            <pc:sldMasterMk cId="800539026" sldId="2147483720"/>
+            <ac:spMk id="3" creationId="{00000000-0000-0000-0000-000000000000}"/>
+          </ac:spMkLst>
+        </pc:spChg>
+        <pc:spChg chg="mod">
+          <ac:chgData name="Shidiq Nur Hidayat" userId="109efc8d74414964" providerId="LiveId" clId="{71223A57-18B4-5B47-912B-C65C206FC98A}" dt="2022-11-27T04:44:55.402" v="9"/>
+          <ac:spMkLst>
+            <pc:docMk/>
+            <pc:sldMasterMk cId="800539026" sldId="2147483720"/>
+            <ac:spMk id="4" creationId="{00000000-0000-0000-0000-000000000000}"/>
+          </ac:spMkLst>
+        </pc:spChg>
+        <pc:spChg chg="mod">
+          <ac:chgData name="Shidiq Nur Hidayat" userId="109efc8d74414964" providerId="LiveId" clId="{71223A57-18B4-5B47-912B-C65C206FC98A}" dt="2022-11-27T04:44:55.402" v="9"/>
+          <ac:spMkLst>
+            <pc:docMk/>
+            <pc:sldMasterMk cId="800539026" sldId="2147483720"/>
+            <ac:spMk id="5" creationId="{00000000-0000-0000-0000-000000000000}"/>
+          </ac:spMkLst>
+        </pc:spChg>
+        <pc:spChg chg="mod">
+          <ac:chgData name="Shidiq Nur Hidayat" userId="109efc8d74414964" providerId="LiveId" clId="{71223A57-18B4-5B47-912B-C65C206FC98A}" dt="2022-11-27T04:44:55.402" v="9"/>
+          <ac:spMkLst>
+            <pc:docMk/>
+            <pc:sldMasterMk cId="800539026" sldId="2147483720"/>
+            <ac:spMk id="6" creationId="{00000000-0000-0000-0000-000000000000}"/>
+          </ac:spMkLst>
+        </pc:spChg>
+        <pc:sldLayoutChg chg="modSp">
+          <pc:chgData name="Shidiq Nur Hidayat" userId="109efc8d74414964" providerId="LiveId" clId="{71223A57-18B4-5B47-912B-C65C206FC98A}" dt="2022-11-27T04:44:55.402" v="9"/>
+          <pc:sldLayoutMkLst>
+            <pc:docMk/>
+            <pc:sldMasterMk cId="800539026" sldId="2147483720"/>
+            <pc:sldLayoutMk cId="145097272" sldId="2147483721"/>
+          </pc:sldLayoutMkLst>
+          <pc:spChg chg="mod">
+            <ac:chgData name="Shidiq Nur Hidayat" userId="109efc8d74414964" providerId="LiveId" clId="{71223A57-18B4-5B47-912B-C65C206FC98A}" dt="2022-11-27T04:44:55.402" v="9"/>
+            <ac:spMkLst>
+              <pc:docMk/>
+              <pc:sldMasterMk cId="800539026" sldId="2147483720"/>
+              <pc:sldLayoutMk cId="145097272" sldId="2147483721"/>
+              <ac:spMk id="2" creationId="{00000000-0000-0000-0000-000000000000}"/>
+            </ac:spMkLst>
+          </pc:spChg>
+          <pc:spChg chg="mod">
+            <ac:chgData name="Shidiq Nur Hidayat" userId="109efc8d74414964" providerId="LiveId" clId="{71223A57-18B4-5B47-912B-C65C206FC98A}" dt="2022-11-27T04:44:55.402" v="9"/>
+            <ac:spMkLst>
+              <pc:docMk/>
+              <pc:sldMasterMk cId="800539026" sldId="2147483720"/>
+              <pc:sldLayoutMk cId="145097272" sldId="2147483721"/>
+              <ac:spMk id="3" creationId="{00000000-0000-0000-0000-000000000000}"/>
+            </ac:spMkLst>
+          </pc:spChg>
+        </pc:sldLayoutChg>
+        <pc:sldLayoutChg chg="modSp">
+          <pc:chgData name="Shidiq Nur Hidayat" userId="109efc8d74414964" providerId="LiveId" clId="{71223A57-18B4-5B47-912B-C65C206FC98A}" dt="2022-11-27T04:44:55.402" v="9"/>
+          <pc:sldLayoutMkLst>
+            <pc:docMk/>
+            <pc:sldMasterMk cId="800539026" sldId="2147483720"/>
+            <pc:sldLayoutMk cId="4093005827" sldId="2147483723"/>
+          </pc:sldLayoutMkLst>
+          <pc:spChg chg="mod">
+            <ac:chgData name="Shidiq Nur Hidayat" userId="109efc8d74414964" providerId="LiveId" clId="{71223A57-18B4-5B47-912B-C65C206FC98A}" dt="2022-11-27T04:44:55.402" v="9"/>
+            <ac:spMkLst>
+              <pc:docMk/>
+              <pc:sldMasterMk cId="800539026" sldId="2147483720"/>
+              <pc:sldLayoutMk cId="4093005827" sldId="2147483723"/>
+              <ac:spMk id="2" creationId="{00000000-0000-0000-0000-000000000000}"/>
+            </ac:spMkLst>
+          </pc:spChg>
+          <pc:spChg chg="mod">
+            <ac:chgData name="Shidiq Nur Hidayat" userId="109efc8d74414964" providerId="LiveId" clId="{71223A57-18B4-5B47-912B-C65C206FC98A}" dt="2022-11-27T04:44:55.402" v="9"/>
+            <ac:spMkLst>
+              <pc:docMk/>
+              <pc:sldMasterMk cId="800539026" sldId="2147483720"/>
+              <pc:sldLayoutMk cId="4093005827" sldId="2147483723"/>
+              <ac:spMk id="3" creationId="{00000000-0000-0000-0000-000000000000}"/>
+            </ac:spMkLst>
+          </pc:spChg>
+        </pc:sldLayoutChg>
+        <pc:sldLayoutChg chg="modSp">
+          <pc:chgData name="Shidiq Nur Hidayat" userId="109efc8d74414964" providerId="LiveId" clId="{71223A57-18B4-5B47-912B-C65C206FC98A}" dt="2022-11-27T04:44:55.402" v="9"/>
+          <pc:sldLayoutMkLst>
+            <pc:docMk/>
+            <pc:sldMasterMk cId="800539026" sldId="2147483720"/>
+            <pc:sldLayoutMk cId="2672881815" sldId="2147483724"/>
+          </pc:sldLayoutMkLst>
+          <pc:spChg chg="mod">
+            <ac:chgData name="Shidiq Nur Hidayat" userId="109efc8d74414964" providerId="LiveId" clId="{71223A57-18B4-5B47-912B-C65C206FC98A}" dt="2022-11-27T04:44:55.402" v="9"/>
+            <ac:spMkLst>
+              <pc:docMk/>
+              <pc:sldMasterMk cId="800539026" sldId="2147483720"/>
+              <pc:sldLayoutMk cId="2672881815" sldId="2147483724"/>
+              <ac:spMk id="3" creationId="{00000000-0000-0000-0000-000000000000}"/>
+            </ac:spMkLst>
+          </pc:spChg>
+          <pc:spChg chg="mod">
+            <ac:chgData name="Shidiq Nur Hidayat" userId="109efc8d74414964" providerId="LiveId" clId="{71223A57-18B4-5B47-912B-C65C206FC98A}" dt="2022-11-27T04:44:55.402" v="9"/>
+            <ac:spMkLst>
+              <pc:docMk/>
+              <pc:sldMasterMk cId="800539026" sldId="2147483720"/>
+              <pc:sldLayoutMk cId="2672881815" sldId="2147483724"/>
+              <ac:spMk id="4" creationId="{00000000-0000-0000-0000-000000000000}"/>
+            </ac:spMkLst>
+          </pc:spChg>
+        </pc:sldLayoutChg>
+        <pc:sldLayoutChg chg="modSp">
+          <pc:chgData name="Shidiq Nur Hidayat" userId="109efc8d74414964" providerId="LiveId" clId="{71223A57-18B4-5B47-912B-C65C206FC98A}" dt="2022-11-27T04:44:55.402" v="9"/>
+          <pc:sldLayoutMkLst>
+            <pc:docMk/>
+            <pc:sldMasterMk cId="800539026" sldId="2147483720"/>
+            <pc:sldLayoutMk cId="1266845186" sldId="2147483725"/>
+          </pc:sldLayoutMkLst>
+          <pc:spChg chg="mod">
+            <ac:chgData name="Shidiq Nur Hidayat" userId="109efc8d74414964" providerId="LiveId" clId="{71223A57-18B4-5B47-912B-C65C206FC98A}" dt="2022-11-27T04:44:55.402" v="9"/>
+            <ac:spMkLst>
+              <pc:docMk/>
+              <pc:sldMasterMk cId="800539026" sldId="2147483720"/>
+              <pc:sldLayoutMk cId="1266845186" sldId="2147483725"/>
+              <ac:spMk id="2" creationId="{00000000-0000-0000-0000-000000000000}"/>
+            </ac:spMkLst>
+          </pc:spChg>
+          <pc:spChg chg="mod">
+            <ac:chgData name="Shidiq Nur Hidayat" userId="109efc8d74414964" providerId="LiveId" clId="{71223A57-18B4-5B47-912B-C65C206FC98A}" dt="2022-11-27T04:44:55.402" v="9"/>
+            <ac:spMkLst>
+              <pc:docMk/>
+              <pc:sldMasterMk cId="800539026" sldId="2147483720"/>
+              <pc:sldLayoutMk cId="1266845186" sldId="2147483725"/>
+              <ac:spMk id="3" creationId="{00000000-0000-0000-0000-000000000000}"/>
+            </ac:spMkLst>
+          </pc:spChg>
+          <pc:spChg chg="mod">
+            <ac:chgData name="Shidiq Nur Hidayat" userId="109efc8d74414964" providerId="LiveId" clId="{71223A57-18B4-5B47-912B-C65C206FC98A}" dt="2022-11-27T04:44:55.402" v="9"/>
+            <ac:spMkLst>
+              <pc:docMk/>
+              <pc:sldMasterMk cId="800539026" sldId="2147483720"/>
+              <pc:sldLayoutMk cId="1266845186" sldId="2147483725"/>
+              <ac:spMk id="4" creationId="{00000000-0000-0000-0000-000000000000}"/>
+            </ac:spMkLst>
+          </pc:spChg>
+          <pc:spChg chg="mod">
+            <ac:chgData name="Shidiq Nur Hidayat" userId="109efc8d74414964" providerId="LiveId" clId="{71223A57-18B4-5B47-912B-C65C206FC98A}" dt="2022-11-27T04:44:55.402" v="9"/>
+            <ac:spMkLst>
+              <pc:docMk/>
+              <pc:sldMasterMk cId="800539026" sldId="2147483720"/>
+              <pc:sldLayoutMk cId="1266845186" sldId="2147483725"/>
+              <ac:spMk id="5" creationId="{00000000-0000-0000-0000-000000000000}"/>
+            </ac:spMkLst>
+          </pc:spChg>
+          <pc:spChg chg="mod">
+            <ac:chgData name="Shidiq Nur Hidayat" userId="109efc8d74414964" providerId="LiveId" clId="{71223A57-18B4-5B47-912B-C65C206FC98A}" dt="2022-11-27T04:44:55.402" v="9"/>
+            <ac:spMkLst>
+              <pc:docMk/>
+              <pc:sldMasterMk cId="800539026" sldId="2147483720"/>
+              <pc:sldLayoutMk cId="1266845186" sldId="2147483725"/>
+              <ac:spMk id="6" creationId="{00000000-0000-0000-0000-000000000000}"/>
+            </ac:spMkLst>
+          </pc:spChg>
+        </pc:sldLayoutChg>
+        <pc:sldLayoutChg chg="modSp">
+          <pc:chgData name="Shidiq Nur Hidayat" userId="109efc8d74414964" providerId="LiveId" clId="{71223A57-18B4-5B47-912B-C65C206FC98A}" dt="2022-11-27T04:44:55.402" v="9"/>
+          <pc:sldLayoutMkLst>
+            <pc:docMk/>
+            <pc:sldMasterMk cId="800539026" sldId="2147483720"/>
+            <pc:sldLayoutMk cId="3165843595" sldId="2147483728"/>
+          </pc:sldLayoutMkLst>
+          <pc:spChg chg="mod">
+            <ac:chgData name="Shidiq Nur Hidayat" userId="109efc8d74414964" providerId="LiveId" clId="{71223A57-18B4-5B47-912B-C65C206FC98A}" dt="2022-11-27T04:44:55.402" v="9"/>
+            <ac:spMkLst>
+              <pc:docMk/>
+              <pc:sldMasterMk cId="800539026" sldId="2147483720"/>
+              <pc:sldLayoutMk cId="3165843595" sldId="2147483728"/>
+              <ac:spMk id="2" creationId="{00000000-0000-0000-0000-000000000000}"/>
+            </ac:spMkLst>
+          </pc:spChg>
+          <pc:spChg chg="mod">
+            <ac:chgData name="Shidiq Nur Hidayat" userId="109efc8d74414964" providerId="LiveId" clId="{71223A57-18B4-5B47-912B-C65C206FC98A}" dt="2022-11-27T04:44:55.402" v="9"/>
+            <ac:spMkLst>
+              <pc:docMk/>
+              <pc:sldMasterMk cId="800539026" sldId="2147483720"/>
+              <pc:sldLayoutMk cId="3165843595" sldId="2147483728"/>
+              <ac:spMk id="3" creationId="{00000000-0000-0000-0000-000000000000}"/>
+            </ac:spMkLst>
+          </pc:spChg>
+          <pc:spChg chg="mod">
+            <ac:chgData name="Shidiq Nur Hidayat" userId="109efc8d74414964" providerId="LiveId" clId="{71223A57-18B4-5B47-912B-C65C206FC98A}" dt="2022-11-27T04:44:55.402" v="9"/>
+            <ac:spMkLst>
+              <pc:docMk/>
+              <pc:sldMasterMk cId="800539026" sldId="2147483720"/>
+              <pc:sldLayoutMk cId="3165843595" sldId="2147483728"/>
+              <ac:spMk id="4" creationId="{00000000-0000-0000-0000-000000000000}"/>
+            </ac:spMkLst>
+          </pc:spChg>
+        </pc:sldLayoutChg>
+        <pc:sldLayoutChg chg="modSp">
+          <pc:chgData name="Shidiq Nur Hidayat" userId="109efc8d74414964" providerId="LiveId" clId="{71223A57-18B4-5B47-912B-C65C206FC98A}" dt="2022-11-27T04:44:55.402" v="9"/>
+          <pc:sldLayoutMkLst>
+            <pc:docMk/>
+            <pc:sldMasterMk cId="800539026" sldId="2147483720"/>
+            <pc:sldLayoutMk cId="2884426762" sldId="2147483729"/>
+          </pc:sldLayoutMkLst>
+          <pc:spChg chg="mod">
+            <ac:chgData name="Shidiq Nur Hidayat" userId="109efc8d74414964" providerId="LiveId" clId="{71223A57-18B4-5B47-912B-C65C206FC98A}" dt="2022-11-27T04:44:55.402" v="9"/>
+            <ac:spMkLst>
+              <pc:docMk/>
+              <pc:sldMasterMk cId="800539026" sldId="2147483720"/>
+              <pc:sldLayoutMk cId="2884426762" sldId="2147483729"/>
+              <ac:spMk id="2" creationId="{00000000-0000-0000-0000-000000000000}"/>
+            </ac:spMkLst>
+          </pc:spChg>
+          <pc:spChg chg="mod">
+            <ac:chgData name="Shidiq Nur Hidayat" userId="109efc8d74414964" providerId="LiveId" clId="{71223A57-18B4-5B47-912B-C65C206FC98A}" dt="2022-11-27T04:44:55.402" v="9"/>
+            <ac:spMkLst>
+              <pc:docMk/>
+              <pc:sldMasterMk cId="800539026" sldId="2147483720"/>
+              <pc:sldLayoutMk cId="2884426762" sldId="2147483729"/>
+              <ac:spMk id="3" creationId="{00000000-0000-0000-0000-000000000000}"/>
+            </ac:spMkLst>
+          </pc:spChg>
+          <pc:spChg chg="mod">
+            <ac:chgData name="Shidiq Nur Hidayat" userId="109efc8d74414964" providerId="LiveId" clId="{71223A57-18B4-5B47-912B-C65C206FC98A}" dt="2022-11-27T04:44:55.402" v="9"/>
+            <ac:spMkLst>
+              <pc:docMk/>
+              <pc:sldMasterMk cId="800539026" sldId="2147483720"/>
+              <pc:sldLayoutMk cId="2884426762" sldId="2147483729"/>
+              <ac:spMk id="4" creationId="{00000000-0000-0000-0000-000000000000}"/>
+            </ac:spMkLst>
+          </pc:spChg>
+        </pc:sldLayoutChg>
+        <pc:sldLayoutChg chg="modSp">
+          <pc:chgData name="Shidiq Nur Hidayat" userId="109efc8d74414964" providerId="LiveId" clId="{71223A57-18B4-5B47-912B-C65C206FC98A}" dt="2022-11-27T04:44:55.402" v="9"/>
+          <pc:sldLayoutMkLst>
+            <pc:docMk/>
+            <pc:sldMasterMk cId="800539026" sldId="2147483720"/>
+            <pc:sldLayoutMk cId="4093999869" sldId="2147483731"/>
+          </pc:sldLayoutMkLst>
+          <pc:spChg chg="mod">
+            <ac:chgData name="Shidiq Nur Hidayat" userId="109efc8d74414964" providerId="LiveId" clId="{71223A57-18B4-5B47-912B-C65C206FC98A}" dt="2022-11-27T04:44:55.402" v="9"/>
+            <ac:spMkLst>
+              <pc:docMk/>
+              <pc:sldMasterMk cId="800539026" sldId="2147483720"/>
+              <pc:sldLayoutMk cId="4093999869" sldId="2147483731"/>
+              <ac:spMk id="2" creationId="{00000000-0000-0000-0000-000000000000}"/>
+            </ac:spMkLst>
+          </pc:spChg>
+          <pc:spChg chg="mod">
+            <ac:chgData name="Shidiq Nur Hidayat" userId="109efc8d74414964" providerId="LiveId" clId="{71223A57-18B4-5B47-912B-C65C206FC98A}" dt="2022-11-27T04:44:55.402" v="9"/>
+            <ac:spMkLst>
+              <pc:docMk/>
+              <pc:sldMasterMk cId="800539026" sldId="2147483720"/>
+              <pc:sldLayoutMk cId="4093999869" sldId="2147483731"/>
+              <ac:spMk id="3" creationId="{00000000-0000-0000-0000-000000000000}"/>
+            </ac:spMkLst>
+          </pc:spChg>
+        </pc:sldLayoutChg>
+      </pc:sldMasterChg>
+    </pc:docChg>
+  </pc:docChgLst>
+</pc:chgInfo>
 </file>
 
 <file path=ppt/slideLayouts/slideLayout1.xml><?xml version="1.0" encoding="utf-8"?>
@@ -136,8 +540,8 @@
         </p:nvSpPr>
         <p:spPr>
           <a:xfrm>
-            <a:off x="944999" y="1590794"/>
-            <a:ext cx="10709990" cy="3384092"/>
+            <a:off x="944999" y="2356703"/>
+            <a:ext cx="10709990" cy="5013407"/>
           </a:xfrm>
         </p:spPr>
         <p:txBody>
@@ -168,8 +572,8 @@
         </p:nvSpPr>
         <p:spPr>
           <a:xfrm>
-            <a:off x="1574999" y="5105389"/>
-            <a:ext cx="9449991" cy="2346813"/>
+            <a:off x="1574999" y="7563446"/>
+            <a:ext cx="9449991" cy="3476717"/>
           </a:xfrm>
         </p:spPr>
         <p:txBody>
@@ -238,7 +642,7 @@
           <a:p>
             <a:fld id="{E330FCF9-A7BD-CC4A-B43C-ABBF7E08CDD3}" type="datetimeFigureOut">
               <a:rPr lang="id-ID" smtClean="0"/>
-              <a:t>26/11/22</a:t>
+              <a:t>27/11/22</a:t>
             </a:fld>
             <a:endParaRPr lang="id-ID"/>
           </a:p>
@@ -289,7 +693,7 @@
     </p:spTree>
     <p:extLst>
       <p:ext uri="{BB962C8B-B14F-4D97-AF65-F5344CB8AC3E}">
-        <p14:creationId xmlns:p14="http://schemas.microsoft.com/office/powerpoint/2010/main" val="145097272"/>
+        <p14:creationId xmlns:p14="http://schemas.microsoft.com/office/powerpoint/2010/main" val="1310661489"/>
       </p:ext>
     </p:extLst>
   </p:cSld>
@@ -408,7 +812,7 @@
           <a:p>
             <a:fld id="{E330FCF9-A7BD-CC4A-B43C-ABBF7E08CDD3}" type="datetimeFigureOut">
               <a:rPr lang="id-ID" smtClean="0"/>
-              <a:t>26/11/22</a:t>
+              <a:t>27/11/22</a:t>
             </a:fld>
             <a:endParaRPr lang="id-ID"/>
           </a:p>
@@ -459,7 +863,7 @@
     </p:spTree>
     <p:extLst>
       <p:ext uri="{BB962C8B-B14F-4D97-AF65-F5344CB8AC3E}">
-        <p14:creationId xmlns:p14="http://schemas.microsoft.com/office/powerpoint/2010/main" val="2924018625"/>
+        <p14:creationId xmlns:p14="http://schemas.microsoft.com/office/powerpoint/2010/main" val="2902151251"/>
       </p:ext>
     </p:extLst>
   </p:cSld>
@@ -498,8 +902,8 @@
         </p:nvSpPr>
         <p:spPr>
           <a:xfrm>
-            <a:off x="9016867" y="517514"/>
-            <a:ext cx="2716872" cy="8237474"/>
+            <a:off x="9016867" y="766678"/>
+            <a:ext cx="2716872" cy="12203515"/>
           </a:xfrm>
         </p:spPr>
         <p:txBody>
@@ -526,8 +930,8 @@
         </p:nvSpPr>
         <p:spPr>
           <a:xfrm>
-            <a:off x="866250" y="517514"/>
-            <a:ext cx="7993117" cy="8237474"/>
+            <a:off x="866250" y="766678"/>
+            <a:ext cx="7993117" cy="12203515"/>
           </a:xfrm>
         </p:spPr>
         <p:txBody>
@@ -588,7 +992,7 @@
           <a:p>
             <a:fld id="{E330FCF9-A7BD-CC4A-B43C-ABBF7E08CDD3}" type="datetimeFigureOut">
               <a:rPr lang="id-ID" smtClean="0"/>
-              <a:t>26/11/22</a:t>
+              <a:t>27/11/22</a:t>
             </a:fld>
             <a:endParaRPr lang="id-ID"/>
           </a:p>
@@ -639,7 +1043,7 @@
     </p:spTree>
     <p:extLst>
       <p:ext uri="{BB962C8B-B14F-4D97-AF65-F5344CB8AC3E}">
-        <p14:creationId xmlns:p14="http://schemas.microsoft.com/office/powerpoint/2010/main" val="4093999869"/>
+        <p14:creationId xmlns:p14="http://schemas.microsoft.com/office/powerpoint/2010/main" val="729283427"/>
       </p:ext>
     </p:extLst>
   </p:cSld>
@@ -758,7 +1162,7 @@
           <a:p>
             <a:fld id="{E330FCF9-A7BD-CC4A-B43C-ABBF7E08CDD3}" type="datetimeFigureOut">
               <a:rPr lang="id-ID" smtClean="0"/>
-              <a:t>26/11/22</a:t>
+              <a:t>27/11/22</a:t>
             </a:fld>
             <a:endParaRPr lang="id-ID"/>
           </a:p>
@@ -809,7 +1213,7 @@
     </p:spTree>
     <p:extLst>
       <p:ext uri="{BB962C8B-B14F-4D97-AF65-F5344CB8AC3E}">
-        <p14:creationId xmlns:p14="http://schemas.microsoft.com/office/powerpoint/2010/main" val="1033777854"/>
+        <p14:creationId xmlns:p14="http://schemas.microsoft.com/office/powerpoint/2010/main" val="3946902711"/>
       </p:ext>
     </p:extLst>
   </p:cSld>
@@ -848,8 +1252,8 @@
         </p:nvSpPr>
         <p:spPr>
           <a:xfrm>
-            <a:off x="859687" y="2423318"/>
-            <a:ext cx="10867490" cy="4043359"/>
+            <a:off x="859687" y="3590057"/>
+            <a:ext cx="10867490" cy="5990088"/>
           </a:xfrm>
         </p:spPr>
         <p:txBody>
@@ -880,8 +1284,8 @@
         </p:nvSpPr>
         <p:spPr>
           <a:xfrm>
-            <a:off x="859687" y="6504929"/>
-            <a:ext cx="10867490" cy="2126307"/>
+            <a:off x="859687" y="9636813"/>
+            <a:ext cx="10867490" cy="3150046"/>
           </a:xfrm>
         </p:spPr>
         <p:txBody>
@@ -1002,7 +1406,7 @@
           <a:p>
             <a:fld id="{E330FCF9-A7BD-CC4A-B43C-ABBF7E08CDD3}" type="datetimeFigureOut">
               <a:rPr lang="id-ID" smtClean="0"/>
-              <a:t>26/11/22</a:t>
+              <a:t>27/11/22</a:t>
             </a:fld>
             <a:endParaRPr lang="id-ID"/>
           </a:p>
@@ -1053,7 +1457,7 @@
     </p:spTree>
     <p:extLst>
       <p:ext uri="{BB962C8B-B14F-4D97-AF65-F5344CB8AC3E}">
-        <p14:creationId xmlns:p14="http://schemas.microsoft.com/office/powerpoint/2010/main" val="4093005827"/>
+        <p14:creationId xmlns:p14="http://schemas.microsoft.com/office/powerpoint/2010/main" val="424650142"/>
       </p:ext>
     </p:extLst>
   </p:cSld>
@@ -1115,8 +1519,8 @@
         </p:nvSpPr>
         <p:spPr>
           <a:xfrm>
-            <a:off x="866249" y="2587570"/>
-            <a:ext cx="5354995" cy="6167418"/>
+            <a:off x="866249" y="3833390"/>
+            <a:ext cx="5354995" cy="9136803"/>
           </a:xfrm>
         </p:spPr>
         <p:txBody>
@@ -1172,8 +1576,8 @@
         </p:nvSpPr>
         <p:spPr>
           <a:xfrm>
-            <a:off x="6378744" y="2587570"/>
-            <a:ext cx="5354995" cy="6167418"/>
+            <a:off x="6378744" y="3833390"/>
+            <a:ext cx="5354995" cy="9136803"/>
           </a:xfrm>
         </p:spPr>
         <p:txBody>
@@ -1234,7 +1638,7 @@
           <a:p>
             <a:fld id="{E330FCF9-A7BD-CC4A-B43C-ABBF7E08CDD3}" type="datetimeFigureOut">
               <a:rPr lang="id-ID" smtClean="0"/>
-              <a:t>26/11/22</a:t>
+              <a:t>27/11/22</a:t>
             </a:fld>
             <a:endParaRPr lang="id-ID"/>
           </a:p>
@@ -1285,7 +1689,7 @@
     </p:spTree>
     <p:extLst>
       <p:ext uri="{BB962C8B-B14F-4D97-AF65-F5344CB8AC3E}">
-        <p14:creationId xmlns:p14="http://schemas.microsoft.com/office/powerpoint/2010/main" val="2672881815"/>
+        <p14:creationId xmlns:p14="http://schemas.microsoft.com/office/powerpoint/2010/main" val="939259378"/>
       </p:ext>
     </p:extLst>
   </p:cSld>
@@ -1324,8 +1728,8 @@
         </p:nvSpPr>
         <p:spPr>
           <a:xfrm>
-            <a:off x="867890" y="517516"/>
-            <a:ext cx="10867490" cy="1878802"/>
+            <a:off x="867890" y="766681"/>
+            <a:ext cx="10867490" cy="2783376"/>
           </a:xfrm>
         </p:spPr>
         <p:txBody>
@@ -1352,8 +1756,8 @@
         </p:nvSpPr>
         <p:spPr>
           <a:xfrm>
-            <a:off x="867892" y="2382815"/>
-            <a:ext cx="5330385" cy="1167781"/>
+            <a:off x="867892" y="3530053"/>
+            <a:ext cx="5330385" cy="1730025"/>
           </a:xfrm>
         </p:spPr>
         <p:txBody>
@@ -1417,8 +1821,8 @@
         </p:nvSpPr>
         <p:spPr>
           <a:xfrm>
-            <a:off x="867892" y="3550596"/>
-            <a:ext cx="5330385" cy="5222392"/>
+            <a:off x="867892" y="5260078"/>
+            <a:ext cx="5330385" cy="7736782"/>
           </a:xfrm>
         </p:spPr>
         <p:txBody>
@@ -1474,8 +1878,8 @@
         </p:nvSpPr>
         <p:spPr>
           <a:xfrm>
-            <a:off x="6378745" y="2382815"/>
-            <a:ext cx="5356636" cy="1167781"/>
+            <a:off x="6378745" y="3530053"/>
+            <a:ext cx="5356636" cy="1730025"/>
           </a:xfrm>
         </p:spPr>
         <p:txBody>
@@ -1539,8 +1943,8 @@
         </p:nvSpPr>
         <p:spPr>
           <a:xfrm>
-            <a:off x="6378745" y="3550596"/>
-            <a:ext cx="5356636" cy="5222392"/>
+            <a:off x="6378745" y="5260078"/>
+            <a:ext cx="5356636" cy="7736782"/>
           </a:xfrm>
         </p:spPr>
         <p:txBody>
@@ -1601,7 +2005,7 @@
           <a:p>
             <a:fld id="{E330FCF9-A7BD-CC4A-B43C-ABBF7E08CDD3}" type="datetimeFigureOut">
               <a:rPr lang="id-ID" smtClean="0"/>
-              <a:t>26/11/22</a:t>
+              <a:t>27/11/22</a:t>
             </a:fld>
             <a:endParaRPr lang="id-ID"/>
           </a:p>
@@ -1652,7 +2056,7 @@
     </p:spTree>
     <p:extLst>
       <p:ext uri="{BB962C8B-B14F-4D97-AF65-F5344CB8AC3E}">
-        <p14:creationId xmlns:p14="http://schemas.microsoft.com/office/powerpoint/2010/main" val="1266845186"/>
+        <p14:creationId xmlns:p14="http://schemas.microsoft.com/office/powerpoint/2010/main" val="1174808216"/>
       </p:ext>
     </p:extLst>
   </p:cSld>
@@ -1719,7 +2123,7 @@
           <a:p>
             <a:fld id="{E330FCF9-A7BD-CC4A-B43C-ABBF7E08CDD3}" type="datetimeFigureOut">
               <a:rPr lang="id-ID" smtClean="0"/>
-              <a:t>26/11/22</a:t>
+              <a:t>27/11/22</a:t>
             </a:fld>
             <a:endParaRPr lang="id-ID"/>
           </a:p>
@@ -1770,7 +2174,7 @@
     </p:spTree>
     <p:extLst>
       <p:ext uri="{BB962C8B-B14F-4D97-AF65-F5344CB8AC3E}">
-        <p14:creationId xmlns:p14="http://schemas.microsoft.com/office/powerpoint/2010/main" val="1056929799"/>
+        <p14:creationId xmlns:p14="http://schemas.microsoft.com/office/powerpoint/2010/main" val="472550585"/>
       </p:ext>
     </p:extLst>
   </p:cSld>
@@ -1814,7 +2218,7 @@
           <a:p>
             <a:fld id="{E330FCF9-A7BD-CC4A-B43C-ABBF7E08CDD3}" type="datetimeFigureOut">
               <a:rPr lang="id-ID" smtClean="0"/>
-              <a:t>26/11/22</a:t>
+              <a:t>27/11/22</a:t>
             </a:fld>
             <a:endParaRPr lang="id-ID"/>
           </a:p>
@@ -1865,7 +2269,7 @@
     </p:spTree>
     <p:extLst>
       <p:ext uri="{BB962C8B-B14F-4D97-AF65-F5344CB8AC3E}">
-        <p14:creationId xmlns:p14="http://schemas.microsoft.com/office/powerpoint/2010/main" val="1032823499"/>
+        <p14:creationId xmlns:p14="http://schemas.microsoft.com/office/powerpoint/2010/main" val="1637936144"/>
       </p:ext>
     </p:extLst>
   </p:cSld>
@@ -1904,8 +2308,8 @@
         </p:nvSpPr>
         <p:spPr>
           <a:xfrm>
-            <a:off x="867890" y="648018"/>
-            <a:ext cx="4063824" cy="2268061"/>
+            <a:off x="867890" y="960014"/>
+            <a:ext cx="4063824" cy="3360050"/>
           </a:xfrm>
         </p:spPr>
         <p:txBody>
@@ -1936,8 +2340,8 @@
         </p:nvSpPr>
         <p:spPr>
           <a:xfrm>
-            <a:off x="5356636" y="1399540"/>
-            <a:ext cx="6378744" cy="6907687"/>
+            <a:off x="5356636" y="2073367"/>
+            <a:ext cx="6378744" cy="10233485"/>
           </a:xfrm>
         </p:spPr>
         <p:txBody>
@@ -2021,8 +2425,8 @@
         </p:nvSpPr>
         <p:spPr>
           <a:xfrm>
-            <a:off x="867890" y="2916079"/>
-            <a:ext cx="4063824" cy="5402397"/>
+            <a:off x="867890" y="4320064"/>
+            <a:ext cx="4063824" cy="8003453"/>
           </a:xfrm>
         </p:spPr>
         <p:txBody>
@@ -2091,7 +2495,7 @@
           <a:p>
             <a:fld id="{E330FCF9-A7BD-CC4A-B43C-ABBF7E08CDD3}" type="datetimeFigureOut">
               <a:rPr lang="id-ID" smtClean="0"/>
-              <a:t>26/11/22</a:t>
+              <a:t>27/11/22</a:t>
             </a:fld>
             <a:endParaRPr lang="id-ID"/>
           </a:p>
@@ -2142,7 +2546,7 @@
     </p:spTree>
     <p:extLst>
       <p:ext uri="{BB962C8B-B14F-4D97-AF65-F5344CB8AC3E}">
-        <p14:creationId xmlns:p14="http://schemas.microsoft.com/office/powerpoint/2010/main" val="3165843595"/>
+        <p14:creationId xmlns:p14="http://schemas.microsoft.com/office/powerpoint/2010/main" val="1514348108"/>
       </p:ext>
     </p:extLst>
   </p:cSld>
@@ -2181,8 +2585,8 @@
         </p:nvSpPr>
         <p:spPr>
           <a:xfrm>
-            <a:off x="867890" y="648018"/>
-            <a:ext cx="4063824" cy="2268061"/>
+            <a:off x="867890" y="960014"/>
+            <a:ext cx="4063824" cy="3360050"/>
           </a:xfrm>
         </p:spPr>
         <p:txBody>
@@ -2213,8 +2617,8 @@
         </p:nvSpPr>
         <p:spPr>
           <a:xfrm>
-            <a:off x="5356636" y="1399540"/>
-            <a:ext cx="6378744" cy="6907687"/>
+            <a:off x="5356636" y="2073367"/>
+            <a:ext cx="6378744" cy="10233485"/>
           </a:xfrm>
         </p:spPr>
         <p:txBody>
@@ -2278,8 +2682,8 @@
         </p:nvSpPr>
         <p:spPr>
           <a:xfrm>
-            <a:off x="867890" y="2916079"/>
-            <a:ext cx="4063824" cy="5402397"/>
+            <a:off x="867890" y="4320064"/>
+            <a:ext cx="4063824" cy="8003453"/>
           </a:xfrm>
         </p:spPr>
         <p:txBody>
@@ -2348,7 +2752,7 @@
           <a:p>
             <a:fld id="{E330FCF9-A7BD-CC4A-B43C-ABBF7E08CDD3}" type="datetimeFigureOut">
               <a:rPr lang="id-ID" smtClean="0"/>
-              <a:t>26/11/22</a:t>
+              <a:t>27/11/22</a:t>
             </a:fld>
             <a:endParaRPr lang="id-ID"/>
           </a:p>
@@ -2399,7 +2803,7 @@
     </p:spTree>
     <p:extLst>
       <p:ext uri="{BB962C8B-B14F-4D97-AF65-F5344CB8AC3E}">
-        <p14:creationId xmlns:p14="http://schemas.microsoft.com/office/powerpoint/2010/main" val="2884426762"/>
+        <p14:creationId xmlns:p14="http://schemas.microsoft.com/office/powerpoint/2010/main" val="1113594016"/>
       </p:ext>
     </p:extLst>
   </p:cSld>
@@ -2443,8 +2847,8 @@
         </p:nvSpPr>
         <p:spPr>
           <a:xfrm>
-            <a:off x="866249" y="517516"/>
-            <a:ext cx="10867490" cy="1878802"/>
+            <a:off x="866249" y="766681"/>
+            <a:ext cx="10867490" cy="2783376"/>
           </a:xfrm>
           <a:prstGeom prst="rect">
             <a:avLst/>
@@ -2476,8 +2880,8 @@
         </p:nvSpPr>
         <p:spPr>
           <a:xfrm>
-            <a:off x="866249" y="2587570"/>
-            <a:ext cx="10867490" cy="6167418"/>
+            <a:off x="866249" y="3833390"/>
+            <a:ext cx="10867490" cy="9136803"/>
           </a:xfrm>
           <a:prstGeom prst="rect">
             <a:avLst/>
@@ -2538,8 +2942,8 @@
         </p:nvSpPr>
         <p:spPr>
           <a:xfrm>
-            <a:off x="866249" y="9009246"/>
-            <a:ext cx="2834997" cy="517514"/>
+            <a:off x="866249" y="13346867"/>
+            <a:ext cx="2834997" cy="766678"/>
           </a:xfrm>
           <a:prstGeom prst="rect">
             <a:avLst/>
@@ -2561,7 +2965,7 @@
           <a:p>
             <a:fld id="{E330FCF9-A7BD-CC4A-B43C-ABBF7E08CDD3}" type="datetimeFigureOut">
               <a:rPr lang="id-ID" smtClean="0"/>
-              <a:t>26/11/22</a:t>
+              <a:t>27/11/22</a:t>
             </a:fld>
             <a:endParaRPr lang="id-ID"/>
           </a:p>
@@ -2579,8 +2983,8 @@
         </p:nvSpPr>
         <p:spPr>
           <a:xfrm>
-            <a:off x="4173746" y="9009246"/>
-            <a:ext cx="4252496" cy="517514"/>
+            <a:off x="4173746" y="13346867"/>
+            <a:ext cx="4252496" cy="766678"/>
           </a:xfrm>
           <a:prstGeom prst="rect">
             <a:avLst/>
@@ -2616,8 +3020,8 @@
         </p:nvSpPr>
         <p:spPr>
           <a:xfrm>
-            <a:off x="8898742" y="9009246"/>
-            <a:ext cx="2834997" cy="517514"/>
+            <a:off x="8898742" y="13346867"/>
+            <a:ext cx="2834997" cy="766678"/>
           </a:xfrm>
           <a:prstGeom prst="rect">
             <a:avLst/>
@@ -2648,23 +3052,23 @@
     </p:spTree>
     <p:extLst>
       <p:ext uri="{BB962C8B-B14F-4D97-AF65-F5344CB8AC3E}">
-        <p14:creationId xmlns:p14="http://schemas.microsoft.com/office/powerpoint/2010/main" val="800539026"/>
+        <p14:creationId xmlns:p14="http://schemas.microsoft.com/office/powerpoint/2010/main" val="2584336230"/>
       </p:ext>
     </p:extLst>
   </p:cSld>
   <p:clrMap bg1="lt1" tx1="dk1" bg2="lt2" tx2="dk2" accent1="accent1" accent2="accent2" accent3="accent3" accent4="accent4" accent5="accent5" accent6="accent6" hlink="hlink" folHlink="folHlink"/>
   <p:sldLayoutIdLst>
-    <p:sldLayoutId id="2147483721" r:id="rId1"/>
-    <p:sldLayoutId id="2147483722" r:id="rId2"/>
-    <p:sldLayoutId id="2147483723" r:id="rId3"/>
-    <p:sldLayoutId id="2147483724" r:id="rId4"/>
-    <p:sldLayoutId id="2147483725" r:id="rId5"/>
-    <p:sldLayoutId id="2147483726" r:id="rId6"/>
-    <p:sldLayoutId id="2147483727" r:id="rId7"/>
-    <p:sldLayoutId id="2147483728" r:id="rId8"/>
-    <p:sldLayoutId id="2147483729" r:id="rId9"/>
-    <p:sldLayoutId id="2147483730" r:id="rId10"/>
-    <p:sldLayoutId id="2147483731" r:id="rId11"/>
+    <p:sldLayoutId id="2147483733" r:id="rId1"/>
+    <p:sldLayoutId id="2147483734" r:id="rId2"/>
+    <p:sldLayoutId id="2147483735" r:id="rId3"/>
+    <p:sldLayoutId id="2147483736" r:id="rId4"/>
+    <p:sldLayoutId id="2147483737" r:id="rId5"/>
+    <p:sldLayoutId id="2147483738" r:id="rId6"/>
+    <p:sldLayoutId id="2147483739" r:id="rId7"/>
+    <p:sldLayoutId id="2147483740" r:id="rId8"/>
+    <p:sldLayoutId id="2147483741" r:id="rId9"/>
+    <p:sldLayoutId id="2147483742" r:id="rId10"/>
+    <p:sldLayoutId id="2147483743" r:id="rId11"/>
   </p:sldLayoutIdLst>
   <p:txStyles>
     <p:titleStyle>
@@ -2994,7 +3398,7 @@
         </p:blipFill>
         <p:spPr>
           <a:xfrm>
-            <a:off x="338785" y="165888"/>
+            <a:off x="468050" y="44243"/>
             <a:ext cx="5831944" cy="4470400"/>
           </a:xfrm>
           <a:prstGeom prst="rect">
@@ -3030,7 +3434,7 @@
         </p:blipFill>
         <p:spPr>
           <a:xfrm>
-            <a:off x="6556259" y="165889"/>
+            <a:off x="6685525" y="44245"/>
             <a:ext cx="5831945" cy="4470401"/>
           </a:xfrm>
           <a:prstGeom prst="rect">
@@ -3066,7 +3470,7 @@
         </p:blipFill>
         <p:spPr>
           <a:xfrm>
-            <a:off x="338785" y="4860131"/>
+            <a:off x="468050" y="4738486"/>
             <a:ext cx="5831944" cy="4470400"/>
           </a:xfrm>
           <a:prstGeom prst="rect">
@@ -3102,8 +3506,8 @@
         </p:blipFill>
         <p:spPr>
           <a:xfrm>
-            <a:off x="6556259" y="5256627"/>
-            <a:ext cx="5500655" cy="4216455"/>
+            <a:off x="6890920" y="4992432"/>
+            <a:ext cx="5302419" cy="4064500"/>
           </a:xfrm>
           <a:prstGeom prst="rect">
             <a:avLst/>
@@ -3124,7 +3528,7 @@
         </p:nvSpPr>
         <p:spPr>
           <a:xfrm>
-            <a:off x="127294" y="121644"/>
+            <a:off x="256559" y="0"/>
             <a:ext cx="386644" cy="584775"/>
           </a:xfrm>
           <a:prstGeom prst="rect">
@@ -3160,7 +3564,7 @@
         </p:nvSpPr>
         <p:spPr>
           <a:xfrm>
-            <a:off x="6152560" y="121644"/>
+            <a:off x="6281825" y="0"/>
             <a:ext cx="404278" cy="584775"/>
           </a:xfrm>
           <a:prstGeom prst="rect">
@@ -3195,7 +3599,7 @@
         </p:nvSpPr>
         <p:spPr>
           <a:xfrm>
-            <a:off x="211787" y="4825700"/>
+            <a:off x="341052" y="4704056"/>
             <a:ext cx="356188" cy="584775"/>
           </a:xfrm>
           <a:prstGeom prst="rect">
@@ -3230,7 +3634,7 @@
         </p:nvSpPr>
         <p:spPr>
           <a:xfrm>
-            <a:off x="6237053" y="4825700"/>
+            <a:off x="6366318" y="4704056"/>
             <a:ext cx="404278" cy="584775"/>
           </a:xfrm>
           <a:prstGeom prst="rect">
@@ -3247,6 +3651,148 @@
             <a:r>
               <a:rPr lang="id-ID" sz="3200" b="1" dirty="0"/>
               <a:t>d</a:t>
+            </a:r>
+          </a:p>
+        </p:txBody>
+      </p:sp>
+      <p:pic>
+        <p:nvPicPr>
+          <p:cNvPr id="2" name="Graphic 1">
+            <a:extLst>
+              <a:ext uri="{FF2B5EF4-FFF2-40B4-BE49-F238E27FC236}">
+                <a16:creationId xmlns:a16="http://schemas.microsoft.com/office/drawing/2014/main" id="{D634DBDF-BA06-6E22-45C2-18F15747ADBE}"/>
+              </a:ext>
+            </a:extLst>
+          </p:cNvPr>
+          <p:cNvPicPr>
+            <a:picLocks noChangeAspect="1"/>
+          </p:cNvPicPr>
+          <p:nvPr/>
+        </p:nvPicPr>
+        <p:blipFill>
+          <a:blip r:embed="rId6">
+            <a:extLst>
+              <a:ext uri="{96DAC541-7B7A-43D3-8B79-37D633B846F1}">
+                <asvg:svgBlip xmlns:asvg="http://schemas.microsoft.com/office/drawing/2016/SVG/main" r:embed="rId7"/>
+              </a:ext>
+            </a:extLst>
+          </a:blip>
+          <a:stretch>
+            <a:fillRect/>
+          </a:stretch>
+        </p:blipFill>
+        <p:spPr>
+          <a:xfrm>
+            <a:off x="341052" y="9594086"/>
+            <a:ext cx="5831944" cy="4470400"/>
+          </a:xfrm>
+          <a:prstGeom prst="rect">
+            <a:avLst/>
+          </a:prstGeom>
+        </p:spPr>
+      </p:pic>
+      <p:pic>
+        <p:nvPicPr>
+          <p:cNvPr id="3" name="Graphic 2">
+            <a:extLst>
+              <a:ext uri="{FF2B5EF4-FFF2-40B4-BE49-F238E27FC236}">
+                <a16:creationId xmlns:a16="http://schemas.microsoft.com/office/drawing/2014/main" id="{548CAD0B-E763-3732-A21B-40C710549D0E}"/>
+              </a:ext>
+            </a:extLst>
+          </p:cNvPr>
+          <p:cNvPicPr>
+            <a:picLocks noChangeAspect="1"/>
+          </p:cNvPicPr>
+          <p:nvPr/>
+        </p:nvPicPr>
+        <p:blipFill>
+          <a:blip r:embed="rId8">
+            <a:extLst>
+              <a:ext uri="{96DAC541-7B7A-43D3-8B79-37D633B846F1}">
+                <asvg:svgBlip xmlns:asvg="http://schemas.microsoft.com/office/drawing/2016/SVG/main" r:embed="rId9"/>
+              </a:ext>
+            </a:extLst>
+          </a:blip>
+          <a:stretch>
+            <a:fillRect/>
+          </a:stretch>
+        </p:blipFill>
+        <p:spPr>
+          <a:xfrm>
+            <a:off x="6558527" y="9990582"/>
+            <a:ext cx="5500655" cy="4216455"/>
+          </a:xfrm>
+          <a:prstGeom prst="rect">
+            <a:avLst/>
+          </a:prstGeom>
+        </p:spPr>
+      </p:pic>
+      <p:sp>
+        <p:nvSpPr>
+          <p:cNvPr id="4" name="TextBox 3">
+            <a:extLst>
+              <a:ext uri="{FF2B5EF4-FFF2-40B4-BE49-F238E27FC236}">
+                <a16:creationId xmlns:a16="http://schemas.microsoft.com/office/drawing/2014/main" id="{D584691A-CC28-CC0A-938D-222F2EE7E6EA}"/>
+              </a:ext>
+            </a:extLst>
+          </p:cNvPr>
+          <p:cNvSpPr txBox="1"/>
+          <p:nvPr/>
+        </p:nvSpPr>
+        <p:spPr>
+          <a:xfrm>
+            <a:off x="289956" y="9594086"/>
+            <a:ext cx="391454" cy="584775"/>
+          </a:xfrm>
+          <a:prstGeom prst="rect">
+            <a:avLst/>
+          </a:prstGeom>
+          <a:noFill/>
+        </p:spPr>
+        <p:txBody>
+          <a:bodyPr wrap="none" rtlCol="0">
+            <a:spAutoFit/>
+          </a:bodyPr>
+          <a:lstStyle/>
+          <a:p>
+            <a:r>
+              <a:rPr lang="id-ID" sz="3200" b="1" dirty="0"/>
+              <a:t>e</a:t>
+            </a:r>
+          </a:p>
+        </p:txBody>
+      </p:sp>
+      <p:sp>
+        <p:nvSpPr>
+          <p:cNvPr id="6" name="TextBox 5">
+            <a:extLst>
+              <a:ext uri="{FF2B5EF4-FFF2-40B4-BE49-F238E27FC236}">
+                <a16:creationId xmlns:a16="http://schemas.microsoft.com/office/drawing/2014/main" id="{0BB03D52-4638-2560-3C85-E2ED41138A0C}"/>
+              </a:ext>
+            </a:extLst>
+          </p:cNvPr>
+          <p:cNvSpPr txBox="1"/>
+          <p:nvPr/>
+        </p:nvSpPr>
+        <p:spPr>
+          <a:xfrm>
+            <a:off x="6315222" y="9594086"/>
+            <a:ext cx="314510" cy="584775"/>
+          </a:xfrm>
+          <a:prstGeom prst="rect">
+            <a:avLst/>
+          </a:prstGeom>
+          <a:noFill/>
+        </p:spPr>
+        <p:txBody>
+          <a:bodyPr wrap="none" rtlCol="0">
+            <a:spAutoFit/>
+          </a:bodyPr>
+          <a:lstStyle/>
+          <a:p>
+            <a:r>
+              <a:rPr lang="id-ID" sz="3200" b="1" dirty="0"/>
+              <a:t>f</a:t>
             </a:r>
           </a:p>
         </p:txBody>
